--- a/figures/Pipeline.pptx
+++ b/figures/Pipeline.pptx
@@ -197,7 +197,7 @@
           <a:p>
             <a:fld id="{55424C64-F3F0-4E4E-810C-095F79A4B6FB}" type="datetimeFigureOut">
               <a:rPr lang="en-US" smtClean="0"/>
-              <a:t>4/4/19</a:t>
+              <a:t>7/16/21</a:t>
             </a:fld>
             <a:endParaRPr lang="en-US"/>
           </a:p>
@@ -684,7 +684,7 @@
           <a:p>
             <a:fld id="{F728CC03-D79F-244D-ACE7-C685180BE13A}" type="datetimeFigureOut">
               <a:rPr lang="en-US" smtClean="0"/>
-              <a:t>4/4/19</a:t>
+              <a:t>7/16/21</a:t>
             </a:fld>
             <a:endParaRPr lang="en-US"/>
           </a:p>
@@ -854,7 +854,7 @@
           <a:p>
             <a:fld id="{F728CC03-D79F-244D-ACE7-C685180BE13A}" type="datetimeFigureOut">
               <a:rPr lang="en-US" smtClean="0"/>
-              <a:t>4/4/19</a:t>
+              <a:t>7/16/21</a:t>
             </a:fld>
             <a:endParaRPr lang="en-US"/>
           </a:p>
@@ -1034,7 +1034,7 @@
           <a:p>
             <a:fld id="{F728CC03-D79F-244D-ACE7-C685180BE13A}" type="datetimeFigureOut">
               <a:rPr lang="en-US" smtClean="0"/>
-              <a:t>4/4/19</a:t>
+              <a:t>7/16/21</a:t>
             </a:fld>
             <a:endParaRPr lang="en-US"/>
           </a:p>
@@ -1185,7 +1185,7 @@
           <a:p>
             <a:fld id="{7FB0BCC3-F70E-314D-8F11-DA0830E5938D}" type="datetimeFigureOut">
               <a:rPr lang="en-US" smtClean="0"/>
-              <a:t>4/4/19</a:t>
+              <a:t>7/16/21</a:t>
             </a:fld>
             <a:endParaRPr lang="en-US"/>
           </a:p>
@@ -1355,7 +1355,7 @@
           <a:p>
             <a:fld id="{F728CC03-D79F-244D-ACE7-C685180BE13A}" type="datetimeFigureOut">
               <a:rPr lang="en-US" smtClean="0"/>
-              <a:t>4/4/19</a:t>
+              <a:t>7/16/21</a:t>
             </a:fld>
             <a:endParaRPr lang="en-US"/>
           </a:p>
@@ -1601,7 +1601,7 @@
           <a:p>
             <a:fld id="{F728CC03-D79F-244D-ACE7-C685180BE13A}" type="datetimeFigureOut">
               <a:rPr lang="en-US" smtClean="0"/>
-              <a:t>4/4/19</a:t>
+              <a:t>7/16/21</a:t>
             </a:fld>
             <a:endParaRPr lang="en-US"/>
           </a:p>
@@ -1833,7 +1833,7 @@
           <a:p>
             <a:fld id="{F728CC03-D79F-244D-ACE7-C685180BE13A}" type="datetimeFigureOut">
               <a:rPr lang="en-US" smtClean="0"/>
-              <a:t>4/4/19</a:t>
+              <a:t>7/16/21</a:t>
             </a:fld>
             <a:endParaRPr lang="en-US"/>
           </a:p>
@@ -2200,7 +2200,7 @@
           <a:p>
             <a:fld id="{F728CC03-D79F-244D-ACE7-C685180BE13A}" type="datetimeFigureOut">
               <a:rPr lang="en-US" smtClean="0"/>
-              <a:t>4/4/19</a:t>
+              <a:t>7/16/21</a:t>
             </a:fld>
             <a:endParaRPr lang="en-US"/>
           </a:p>
@@ -2318,7 +2318,7 @@
           <a:p>
             <a:fld id="{F728CC03-D79F-244D-ACE7-C685180BE13A}" type="datetimeFigureOut">
               <a:rPr lang="en-US" smtClean="0"/>
-              <a:t>4/4/19</a:t>
+              <a:t>7/16/21</a:t>
             </a:fld>
             <a:endParaRPr lang="en-US"/>
           </a:p>
@@ -2413,7 +2413,7 @@
           <a:p>
             <a:fld id="{F728CC03-D79F-244D-ACE7-C685180BE13A}" type="datetimeFigureOut">
               <a:rPr lang="en-US" smtClean="0"/>
-              <a:t>4/4/19</a:t>
+              <a:t>7/16/21</a:t>
             </a:fld>
             <a:endParaRPr lang="en-US"/>
           </a:p>
@@ -2690,7 +2690,7 @@
           <a:p>
             <a:fld id="{F728CC03-D79F-244D-ACE7-C685180BE13A}" type="datetimeFigureOut">
               <a:rPr lang="en-US" smtClean="0"/>
-              <a:t>4/4/19</a:t>
+              <a:t>7/16/21</a:t>
             </a:fld>
             <a:endParaRPr lang="en-US"/>
           </a:p>
@@ -2947,7 +2947,7 @@
           <a:p>
             <a:fld id="{F728CC03-D79F-244D-ACE7-C685180BE13A}" type="datetimeFigureOut">
               <a:rPr lang="en-US" smtClean="0"/>
-              <a:t>4/4/19</a:t>
+              <a:t>7/16/21</a:t>
             </a:fld>
             <a:endParaRPr lang="en-US"/>
           </a:p>
@@ -3160,7 +3160,7 @@
           <a:p>
             <a:fld id="{F728CC03-D79F-244D-ACE7-C685180BE13A}" type="datetimeFigureOut">
               <a:rPr lang="en-US" smtClean="0"/>
-              <a:t>4/4/19</a:t>
+              <a:t>7/16/21</a:t>
             </a:fld>
             <a:endParaRPr lang="en-US"/>
           </a:p>
@@ -4606,13 +4606,13 @@
           <a:p>
             <a:pPr algn="ctr"/>
             <a:r>
-              <a:rPr lang="en-US" sz="2400" dirty="0">
+              <a:rPr lang="en-US" sz="2400">
                 <a:solidFill>
                   <a:srgbClr val="74C476"/>
                 </a:solidFill>
                 <a:latin typeface="Yanone Kaffeesatz" panose="02000000000000000000" pitchFamily="2" charset="77"/>
               </a:rPr>
-              <a:t>Remove</a:t>
+              <a:t>Exclude</a:t>
             </a:r>
             <a:br>
               <a:rPr lang="en-US" sz="2400" dirty="0">
